--- a/ifood.pptx
+++ b/ifood.pptx
@@ -13671,6 +13671,253 @@
           </a:p>
         </p:txBody>
       </p:sp>
+      <p:sp>
+        <p:nvSpPr>
+          <p:cNvPr id="37" name="Rectangle 14"/>
+          <p:cNvSpPr/>
+          <p:nvPr/>
+        </p:nvSpPr>
+        <p:spPr>
+          <a:xfrm>
+            <a:off x="-46556" y="5800823"/>
+            <a:ext cx="4360750" cy="923330"/>
+          </a:xfrm>
+          <a:prstGeom prst="rect">
+            <a:avLst/>
+          </a:prstGeom>
+        </p:spPr>
+        <p:style>
+          <a:lnRef idx="2">
+            <a:schemeClr val="accent1">
+              <a:shade val="50000"/>
+            </a:schemeClr>
+          </a:lnRef>
+          <a:fillRef idx="1">
+            <a:schemeClr val="accent1"/>
+          </a:fillRef>
+          <a:effectRef idx="0">
+            <a:schemeClr val="accent1"/>
+          </a:effectRef>
+          <a:fontRef idx="minor">
+            <a:schemeClr val="lt1"/>
+          </a:fontRef>
+        </p:style>
+        <p:txBody>
+          <a:bodyPr wrap="square">
+            <a:spAutoFit/>
+          </a:bodyPr>
+          <a:lstStyle/>
+          <a:p>
+            <a:r>
+              <a:rPr lang="en-US" dirty="0" smtClean="0">
+                <a:solidFill>
+                  <a:schemeClr val="accent4"/>
+                </a:solidFill>
+                <a:latin typeface="Arial" panose="020B0604020202020204" pitchFamily="34" charset="0"/>
+                <a:cs typeface="Arial" panose="020B0604020202020204" pitchFamily="34" charset="0"/>
+              </a:rPr>
+              <a:t>NPS: </a:t>
+            </a:r>
+            <a:r>
+              <a:rPr lang="en-US" dirty="0" err="1" smtClean="0">
+                <a:solidFill>
+                  <a:schemeClr val="accent4"/>
+                </a:solidFill>
+                <a:latin typeface="Arial" panose="020B0604020202020204" pitchFamily="34" charset="0"/>
+                <a:cs typeface="Arial" panose="020B0604020202020204" pitchFamily="34" charset="0"/>
+              </a:rPr>
+              <a:t>Os</a:t>
+            </a:r>
+            <a:r>
+              <a:rPr lang="en-US" dirty="0" smtClean="0">
+                <a:solidFill>
+                  <a:schemeClr val="accent4"/>
+                </a:solidFill>
+                <a:latin typeface="Arial" panose="020B0604020202020204" pitchFamily="34" charset="0"/>
+                <a:cs typeface="Arial" panose="020B0604020202020204" pitchFamily="34" charset="0"/>
+              </a:rPr>
+              <a:t> </a:t>
+            </a:r>
+            <a:r>
+              <a:rPr lang="en-US" dirty="0" err="1" smtClean="0">
+                <a:solidFill>
+                  <a:schemeClr val="accent4"/>
+                </a:solidFill>
+                <a:latin typeface="Arial" panose="020B0604020202020204" pitchFamily="34" charset="0"/>
+                <a:cs typeface="Arial" panose="020B0604020202020204" pitchFamily="34" charset="0"/>
+              </a:rPr>
+              <a:t>clientes</a:t>
+            </a:r>
+            <a:r>
+              <a:rPr lang="en-US" dirty="0">
+                <a:solidFill>
+                  <a:schemeClr val="accent4"/>
+                </a:solidFill>
+                <a:latin typeface="Arial" panose="020B0604020202020204" pitchFamily="34" charset="0"/>
+                <a:cs typeface="Arial" panose="020B0604020202020204" pitchFamily="34" charset="0"/>
+              </a:rPr>
+              <a:t> </a:t>
+            </a:r>
+            <a:r>
+              <a:rPr lang="en-US" dirty="0" smtClean="0">
+                <a:solidFill>
+                  <a:schemeClr val="accent4"/>
+                </a:solidFill>
+                <a:latin typeface="Arial" panose="020B0604020202020204" pitchFamily="34" charset="0"/>
+                <a:cs typeface="Arial" panose="020B0604020202020204" pitchFamily="34" charset="0"/>
+              </a:rPr>
+              <a:t>tem </a:t>
+            </a:r>
+            <a:r>
+              <a:rPr lang="en-US" dirty="0" err="1" smtClean="0">
+                <a:solidFill>
+                  <a:schemeClr val="accent4"/>
+                </a:solidFill>
+                <a:latin typeface="Arial" panose="020B0604020202020204" pitchFamily="34" charset="0"/>
+                <a:cs typeface="Arial" panose="020B0604020202020204" pitchFamily="34" charset="0"/>
+              </a:rPr>
+              <a:t>dificuldade</a:t>
+            </a:r>
+            <a:r>
+              <a:rPr lang="en-US" dirty="0" smtClean="0">
+                <a:solidFill>
+                  <a:schemeClr val="accent4"/>
+                </a:solidFill>
+                <a:latin typeface="Arial" panose="020B0604020202020204" pitchFamily="34" charset="0"/>
+                <a:cs typeface="Arial" panose="020B0604020202020204" pitchFamily="34" charset="0"/>
+              </a:rPr>
+              <a:t> </a:t>
+            </a:r>
+            <a:r>
+              <a:rPr lang="en-US" dirty="0" err="1" smtClean="0">
+                <a:solidFill>
+                  <a:schemeClr val="accent4"/>
+                </a:solidFill>
+                <a:latin typeface="Arial" panose="020B0604020202020204" pitchFamily="34" charset="0"/>
+                <a:cs typeface="Arial" panose="020B0604020202020204" pitchFamily="34" charset="0"/>
+              </a:rPr>
+              <a:t>em</a:t>
+            </a:r>
+            <a:r>
+              <a:rPr lang="en-US" dirty="0" smtClean="0">
+                <a:solidFill>
+                  <a:schemeClr val="accent4"/>
+                </a:solidFill>
+                <a:latin typeface="Arial" panose="020B0604020202020204" pitchFamily="34" charset="0"/>
+                <a:cs typeface="Arial" panose="020B0604020202020204" pitchFamily="34" charset="0"/>
+              </a:rPr>
+              <a:t> </a:t>
+            </a:r>
+            <a:r>
+              <a:rPr lang="en-US" dirty="0" err="1" smtClean="0">
+                <a:solidFill>
+                  <a:schemeClr val="accent4"/>
+                </a:solidFill>
+                <a:latin typeface="Arial" panose="020B0604020202020204" pitchFamily="34" charset="0"/>
+                <a:cs typeface="Arial" panose="020B0604020202020204" pitchFamily="34" charset="0"/>
+              </a:rPr>
+              <a:t>separar</a:t>
+            </a:r>
+            <a:r>
+              <a:rPr lang="en-US" dirty="0" smtClean="0">
+                <a:solidFill>
+                  <a:schemeClr val="accent4"/>
+                </a:solidFill>
+                <a:latin typeface="Arial" panose="020B0604020202020204" pitchFamily="34" charset="0"/>
+                <a:cs typeface="Arial" panose="020B0604020202020204" pitchFamily="34" charset="0"/>
+              </a:rPr>
+              <a:t> o </a:t>
+            </a:r>
+            <a:r>
+              <a:rPr lang="en-US" dirty="0" err="1" smtClean="0">
+                <a:solidFill>
+                  <a:schemeClr val="accent4"/>
+                </a:solidFill>
+                <a:latin typeface="Arial" panose="020B0604020202020204" pitchFamily="34" charset="0"/>
+                <a:cs typeface="Arial" panose="020B0604020202020204" pitchFamily="34" charset="0"/>
+              </a:rPr>
+              <a:t>iFood</a:t>
+            </a:r>
+            <a:r>
+              <a:rPr lang="en-US" dirty="0" smtClean="0">
+                <a:solidFill>
+                  <a:schemeClr val="accent4"/>
+                </a:solidFill>
+                <a:latin typeface="Arial" panose="020B0604020202020204" pitchFamily="34" charset="0"/>
+                <a:cs typeface="Arial" panose="020B0604020202020204" pitchFamily="34" charset="0"/>
+              </a:rPr>
+              <a:t> do </a:t>
+            </a:r>
+            <a:r>
+              <a:rPr lang="en-US" dirty="0" err="1" smtClean="0">
+                <a:solidFill>
+                  <a:schemeClr val="accent4"/>
+                </a:solidFill>
+                <a:latin typeface="Arial" panose="020B0604020202020204" pitchFamily="34" charset="0"/>
+                <a:cs typeface="Arial" panose="020B0604020202020204" pitchFamily="34" charset="0"/>
+              </a:rPr>
+              <a:t>restaurante</a:t>
+            </a:r>
+            <a:r>
+              <a:rPr lang="en-US" dirty="0" smtClean="0">
+                <a:solidFill>
+                  <a:schemeClr val="accent4"/>
+                </a:solidFill>
+                <a:latin typeface="Arial" panose="020B0604020202020204" pitchFamily="34" charset="0"/>
+                <a:cs typeface="Arial" panose="020B0604020202020204" pitchFamily="34" charset="0"/>
+              </a:rPr>
+              <a:t> no </a:t>
+            </a:r>
+            <a:r>
+              <a:rPr lang="en-US" dirty="0" err="1" smtClean="0">
+                <a:solidFill>
+                  <a:schemeClr val="accent4"/>
+                </a:solidFill>
+                <a:latin typeface="Arial" panose="020B0604020202020204" pitchFamily="34" charset="0"/>
+                <a:cs typeface="Arial" panose="020B0604020202020204" pitchFamily="34" charset="0"/>
+              </a:rPr>
+              <a:t>momento</a:t>
+            </a:r>
+            <a:r>
+              <a:rPr lang="en-US" dirty="0" smtClean="0">
+                <a:solidFill>
+                  <a:schemeClr val="accent4"/>
+                </a:solidFill>
+                <a:latin typeface="Arial" panose="020B0604020202020204" pitchFamily="34" charset="0"/>
+                <a:cs typeface="Arial" panose="020B0604020202020204" pitchFamily="34" charset="0"/>
+              </a:rPr>
+              <a:t> da </a:t>
+            </a:r>
+            <a:r>
+              <a:rPr lang="en-US" dirty="0" err="1" smtClean="0">
+                <a:solidFill>
+                  <a:schemeClr val="accent4"/>
+                </a:solidFill>
+                <a:latin typeface="Arial" panose="020B0604020202020204" pitchFamily="34" charset="0"/>
+                <a:cs typeface="Arial" panose="020B0604020202020204" pitchFamily="34" charset="0"/>
+              </a:rPr>
+              <a:t>avaliação</a:t>
+            </a:r>
+            <a:r>
+              <a:rPr lang="en-US" dirty="0" smtClean="0">
+                <a:solidFill>
+                  <a:schemeClr val="accent4"/>
+                </a:solidFill>
+                <a:latin typeface="Arial" panose="020B0604020202020204" pitchFamily="34" charset="0"/>
+                <a:cs typeface="Arial" panose="020B0604020202020204" pitchFamily="34" charset="0"/>
+              </a:rPr>
+              <a:t> </a:t>
+            </a:r>
+            <a:endParaRPr lang="en-US" sz="1400" dirty="0">
+              <a:solidFill>
+                <a:schemeClr val="accent4"/>
+              </a:solidFill>
+              <a:latin typeface="Arial" panose="020B0604020202020204" pitchFamily="34" charset="0"/>
+              <a:cs typeface="Arial" panose="020B0604020202020204" pitchFamily="34" charset="0"/>
+            </a:endParaRPr>
+          </a:p>
+        </p:txBody>
+      </p:sp>
     </p:spTree>
     <p:extLst>
       <p:ext uri="{BB962C8B-B14F-4D97-AF65-F5344CB8AC3E}">
@@ -15469,8 +15716,8 @@
         </p:nvSpPr>
         <p:spPr>
           <a:xfrm>
-            <a:off x="1028487" y="4107039"/>
-            <a:ext cx="10096934" cy="2123658"/>
+            <a:off x="4591743" y="5144907"/>
+            <a:ext cx="6385169" cy="1384995"/>
           </a:xfrm>
           <a:prstGeom prst="rect">
             <a:avLst/>
@@ -15483,9 +15730,8 @@
           </a:bodyPr>
           <a:lstStyle/>
           <a:p>
-            <a:pPr algn="ctr"/>
-            <a:r>
-              <a:rPr lang="pt-BR" sz="4400" b="1" dirty="0" smtClean="0">
+            <a:r>
+              <a:rPr lang="pt-BR" sz="2800" b="1" dirty="0">
                 <a:ln w="12700">
                   <a:solidFill>
                     <a:schemeClr val="accent1"/>
@@ -15512,7 +15758,7 @@
               <a:t>Segundo os dados apresentados nós entendemos que os </a:t>
             </a:r>
             <a:r>
-              <a:rPr lang="pt-BR" sz="4400" b="1" dirty="0" err="1" smtClean="0">
+              <a:rPr lang="pt-BR" sz="2800" b="1" dirty="0" err="1">
                 <a:ln w="12700">
                   <a:solidFill>
                     <a:schemeClr val="accent1"/>
@@ -15539,7 +15785,7 @@
               <a:t>Pushs</a:t>
             </a:r>
             <a:r>
-              <a:rPr lang="pt-BR" sz="4400" b="1" dirty="0" smtClean="0">
+              <a:rPr lang="pt-BR" sz="2800" b="1" dirty="0">
                 <a:ln w="12700">
                   <a:solidFill>
                     <a:schemeClr val="accent1"/>
@@ -15563,7 +15809,61 @@
                   </a:outerShdw>
                 </a:effectLst>
               </a:rPr>
-              <a:t> são eficientes para converter pedidos</a:t>
+              <a:t> são eficientes para </a:t>
+            </a:r>
+            <a:r>
+              <a:rPr lang="pt-BR" sz="2800" b="1" dirty="0" smtClean="0">
+                <a:ln w="12700">
+                  <a:solidFill>
+                    <a:schemeClr val="accent1"/>
+                  </a:solidFill>
+                  <a:prstDash val="solid"/>
+                </a:ln>
+                <a:pattFill prst="pct50">
+                  <a:fgClr>
+                    <a:schemeClr val="accent1"/>
+                  </a:fgClr>
+                  <a:bgClr>
+                    <a:schemeClr val="accent1">
+                      <a:lumMod val="20000"/>
+                      <a:lumOff val="80000"/>
+                    </a:schemeClr>
+                  </a:bgClr>
+                </a:pattFill>
+                <a:effectLst>
+                  <a:outerShdw dist="38100" dir="2640000" algn="bl" rotWithShape="0">
+                    <a:schemeClr val="accent1"/>
+                  </a:outerShdw>
+                </a:effectLst>
+              </a:rPr>
+              <a:t>converter em </a:t>
+            </a:r>
+            <a:r>
+              <a:rPr lang="pt-BR" sz="2800" b="1" dirty="0">
+                <a:ln w="12700">
+                  <a:solidFill>
+                    <a:schemeClr val="accent1"/>
+                  </a:solidFill>
+                  <a:prstDash val="solid"/>
+                </a:ln>
+                <a:pattFill prst="pct50">
+                  <a:fgClr>
+                    <a:schemeClr val="accent1"/>
+                  </a:fgClr>
+                  <a:bgClr>
+                    <a:schemeClr val="accent1">
+                      <a:lumMod val="20000"/>
+                      <a:lumOff val="80000"/>
+                    </a:schemeClr>
+                  </a:bgClr>
+                </a:pattFill>
+                <a:effectLst>
+                  <a:outerShdw dist="38100" dir="2640000" algn="bl" rotWithShape="0">
+                    <a:schemeClr val="accent1"/>
+                  </a:outerShdw>
+                </a:effectLst>
+              </a:rPr>
+              <a:t>pedidos</a:t>
             </a:r>
           </a:p>
         </p:txBody>
@@ -15576,7 +15876,7 @@
         </p:nvSpPr>
         <p:spPr>
           <a:xfrm>
-            <a:off x="3881478" y="2370821"/>
+            <a:off x="269584" y="5144907"/>
             <a:ext cx="4080303" cy="1107996"/>
           </a:xfrm>
           <a:prstGeom prst="rect">
@@ -15629,6 +15929,844 @@
               <a:latin typeface="Arial" panose="020B0604020202020204" pitchFamily="34" charset="0"/>
               <a:cs typeface="Arial" panose="020B0604020202020204" pitchFamily="34" charset="0"/>
             </a:endParaRPr>
+          </a:p>
+        </p:txBody>
+      </p:sp>
+      <p:sp>
+        <p:nvSpPr>
+          <p:cNvPr id="13" name="Oval 7"/>
+          <p:cNvSpPr/>
+          <p:nvPr/>
+        </p:nvSpPr>
+        <p:spPr>
+          <a:xfrm>
+            <a:off x="188160" y="1649569"/>
+            <a:ext cx="674617" cy="682100"/>
+          </a:xfrm>
+          <a:prstGeom prst="ellipse">
+            <a:avLst/>
+          </a:prstGeom>
+          <a:solidFill>
+            <a:schemeClr val="bg1"/>
+          </a:solidFill>
+          <a:ln w="38100">
+            <a:solidFill>
+              <a:srgbClr val="F32223"/>
+            </a:solidFill>
+          </a:ln>
+        </p:spPr>
+        <p:style>
+          <a:lnRef idx="2">
+            <a:schemeClr val="accent1">
+              <a:shade val="50000"/>
+            </a:schemeClr>
+          </a:lnRef>
+          <a:fillRef idx="1">
+            <a:schemeClr val="accent1"/>
+          </a:fillRef>
+          <a:effectRef idx="0">
+            <a:schemeClr val="accent1"/>
+          </a:effectRef>
+          <a:fontRef idx="minor">
+            <a:schemeClr val="lt1"/>
+          </a:fontRef>
+        </p:style>
+        <p:txBody>
+          <a:bodyPr rtlCol="0" anchor="ctr"/>
+          <a:lstStyle/>
+          <a:p>
+            <a:pPr algn="ctr"/>
+            <a:r>
+              <a:rPr lang="en-US" sz="3200" dirty="0" smtClean="0">
+                <a:solidFill>
+                  <a:srgbClr val="ED1722"/>
+                </a:solidFill>
+                <a:latin typeface="Arial" panose="020B0604020202020204" pitchFamily="34" charset="0"/>
+                <a:cs typeface="Arial" panose="020B0604020202020204" pitchFamily="34" charset="0"/>
+              </a:rPr>
+              <a:t>1</a:t>
+            </a:r>
+            <a:endParaRPr lang="en-US" sz="3200" dirty="0">
+              <a:solidFill>
+                <a:srgbClr val="ED1722"/>
+              </a:solidFill>
+              <a:latin typeface="Arial" panose="020B0604020202020204" pitchFamily="34" charset="0"/>
+              <a:cs typeface="Arial" panose="020B0604020202020204" pitchFamily="34" charset="0"/>
+            </a:endParaRPr>
+          </a:p>
+        </p:txBody>
+      </p:sp>
+      <p:sp>
+        <p:nvSpPr>
+          <p:cNvPr id="14" name="Rectangle 14"/>
+          <p:cNvSpPr/>
+          <p:nvPr/>
+        </p:nvSpPr>
+        <p:spPr>
+          <a:xfrm>
+            <a:off x="951678" y="1729767"/>
+            <a:ext cx="6088888" cy="461665"/>
+          </a:xfrm>
+          <a:prstGeom prst="rect">
+            <a:avLst/>
+          </a:prstGeom>
+        </p:spPr>
+        <p:txBody>
+          <a:bodyPr wrap="square">
+            <a:spAutoFit/>
+          </a:bodyPr>
+          <a:lstStyle/>
+          <a:p>
+            <a:r>
+              <a:rPr lang="en-US" sz="2400" dirty="0" err="1" smtClean="0">
+                <a:solidFill>
+                  <a:schemeClr val="accent4"/>
+                </a:solidFill>
+                <a:latin typeface="Arial" panose="020B0604020202020204" pitchFamily="34" charset="0"/>
+                <a:cs typeface="Arial" panose="020B0604020202020204" pitchFamily="34" charset="0"/>
+              </a:rPr>
+              <a:t>Precisamos</a:t>
+            </a:r>
+            <a:r>
+              <a:rPr lang="en-US" sz="2400" dirty="0" smtClean="0">
+                <a:solidFill>
+                  <a:schemeClr val="accent4"/>
+                </a:solidFill>
+                <a:latin typeface="Arial" panose="020B0604020202020204" pitchFamily="34" charset="0"/>
+                <a:cs typeface="Arial" panose="020B0604020202020204" pitchFamily="34" charset="0"/>
+              </a:rPr>
+              <a:t> de </a:t>
+            </a:r>
+            <a:r>
+              <a:rPr lang="en-US" sz="2400" dirty="0" err="1" smtClean="0">
+                <a:solidFill>
+                  <a:schemeClr val="accent4"/>
+                </a:solidFill>
+                <a:latin typeface="Arial" panose="020B0604020202020204" pitchFamily="34" charset="0"/>
+                <a:cs typeface="Arial" panose="020B0604020202020204" pitchFamily="34" charset="0"/>
+              </a:rPr>
+              <a:t>cupons</a:t>
+            </a:r>
+            <a:r>
+              <a:rPr lang="en-US" sz="2400" dirty="0" smtClean="0">
+                <a:solidFill>
+                  <a:schemeClr val="accent4"/>
+                </a:solidFill>
+                <a:latin typeface="Arial" panose="020B0604020202020204" pitchFamily="34" charset="0"/>
+                <a:cs typeface="Arial" panose="020B0604020202020204" pitchFamily="34" charset="0"/>
+              </a:rPr>
+              <a:t> para </a:t>
+            </a:r>
+            <a:r>
+              <a:rPr lang="en-US" sz="2400" dirty="0" err="1" smtClean="0">
+                <a:solidFill>
+                  <a:schemeClr val="accent4"/>
+                </a:solidFill>
+                <a:latin typeface="Arial" panose="020B0604020202020204" pitchFamily="34" charset="0"/>
+                <a:cs typeface="Arial" panose="020B0604020202020204" pitchFamily="34" charset="0"/>
+              </a:rPr>
+              <a:t>fazer</a:t>
+            </a:r>
+            <a:r>
+              <a:rPr lang="en-US" sz="2400" dirty="0" smtClean="0">
+                <a:solidFill>
+                  <a:schemeClr val="accent4"/>
+                </a:solidFill>
+                <a:latin typeface="Arial" panose="020B0604020202020204" pitchFamily="34" charset="0"/>
+                <a:cs typeface="Arial" panose="020B0604020202020204" pitchFamily="34" charset="0"/>
+              </a:rPr>
+              <a:t> </a:t>
+            </a:r>
+            <a:r>
+              <a:rPr lang="en-US" sz="2400" dirty="0" err="1" smtClean="0">
+                <a:solidFill>
+                  <a:schemeClr val="accent4"/>
+                </a:solidFill>
+                <a:latin typeface="Arial" panose="020B0604020202020204" pitchFamily="34" charset="0"/>
+                <a:cs typeface="Arial" panose="020B0604020202020204" pitchFamily="34" charset="0"/>
+              </a:rPr>
+              <a:t>vendas</a:t>
+            </a:r>
+            <a:r>
+              <a:rPr lang="en-US" sz="2400" dirty="0" smtClean="0">
+                <a:solidFill>
+                  <a:schemeClr val="accent4"/>
+                </a:solidFill>
+                <a:latin typeface="Arial" panose="020B0604020202020204" pitchFamily="34" charset="0"/>
+                <a:cs typeface="Arial" panose="020B0604020202020204" pitchFamily="34" charset="0"/>
+              </a:rPr>
+              <a:t>?</a:t>
+            </a:r>
+            <a:endParaRPr lang="en-US" dirty="0">
+              <a:solidFill>
+                <a:schemeClr val="accent4"/>
+              </a:solidFill>
+              <a:latin typeface="Arial" panose="020B0604020202020204" pitchFamily="34" charset="0"/>
+              <a:cs typeface="Arial" panose="020B0604020202020204" pitchFamily="34" charset="0"/>
+            </a:endParaRPr>
+          </a:p>
+        </p:txBody>
+      </p:sp>
+      <p:sp>
+        <p:nvSpPr>
+          <p:cNvPr id="15" name="Retângulo 14"/>
+          <p:cNvSpPr/>
+          <p:nvPr/>
+        </p:nvSpPr>
+        <p:spPr>
+          <a:xfrm>
+            <a:off x="7238664" y="1569334"/>
+            <a:ext cx="1185164" cy="707886"/>
+          </a:xfrm>
+          <a:prstGeom prst="rect">
+            <a:avLst/>
+          </a:prstGeom>
+          <a:noFill/>
+        </p:spPr>
+        <p:txBody>
+          <a:bodyPr wrap="square" lIns="91440" tIns="45720" rIns="91440" bIns="45720">
+            <a:spAutoFit/>
+          </a:bodyPr>
+          <a:lstStyle/>
+          <a:p>
+            <a:pPr algn="ctr"/>
+            <a:r>
+              <a:rPr lang="pt-BR" sz="4000" b="1" dirty="0" smtClean="0">
+                <a:ln w="12700">
+                  <a:solidFill>
+                    <a:schemeClr val="accent1"/>
+                  </a:solidFill>
+                  <a:prstDash val="solid"/>
+                </a:ln>
+                <a:pattFill prst="pct50">
+                  <a:fgClr>
+                    <a:schemeClr val="accent1"/>
+                  </a:fgClr>
+                  <a:bgClr>
+                    <a:schemeClr val="accent1">
+                      <a:lumMod val="20000"/>
+                      <a:lumOff val="80000"/>
+                    </a:schemeClr>
+                  </a:bgClr>
+                </a:pattFill>
+                <a:effectLst>
+                  <a:outerShdw dist="38100" dir="2640000" algn="bl" rotWithShape="0">
+                    <a:schemeClr val="accent1"/>
+                  </a:outerShdw>
+                </a:effectLst>
+              </a:rPr>
+              <a:t>SIM</a:t>
+            </a:r>
+          </a:p>
+        </p:txBody>
+      </p:sp>
+      <p:sp>
+        <p:nvSpPr>
+          <p:cNvPr id="16" name="Oval 7"/>
+          <p:cNvSpPr/>
+          <p:nvPr/>
+        </p:nvSpPr>
+        <p:spPr>
+          <a:xfrm>
+            <a:off x="188159" y="2591843"/>
+            <a:ext cx="674617" cy="682100"/>
+          </a:xfrm>
+          <a:prstGeom prst="ellipse">
+            <a:avLst/>
+          </a:prstGeom>
+          <a:solidFill>
+            <a:schemeClr val="bg1"/>
+          </a:solidFill>
+          <a:ln w="38100">
+            <a:solidFill>
+              <a:srgbClr val="F32223"/>
+            </a:solidFill>
+          </a:ln>
+        </p:spPr>
+        <p:style>
+          <a:lnRef idx="2">
+            <a:schemeClr val="accent1">
+              <a:shade val="50000"/>
+            </a:schemeClr>
+          </a:lnRef>
+          <a:fillRef idx="1">
+            <a:schemeClr val="accent1"/>
+          </a:fillRef>
+          <a:effectRef idx="0">
+            <a:schemeClr val="accent1"/>
+          </a:effectRef>
+          <a:fontRef idx="minor">
+            <a:schemeClr val="lt1"/>
+          </a:fontRef>
+        </p:style>
+        <p:txBody>
+          <a:bodyPr rtlCol="0" anchor="ctr"/>
+          <a:lstStyle/>
+          <a:p>
+            <a:pPr algn="ctr"/>
+            <a:r>
+              <a:rPr lang="en-US" sz="3200" dirty="0">
+                <a:solidFill>
+                  <a:srgbClr val="ED1722"/>
+                </a:solidFill>
+                <a:latin typeface="Arial" panose="020B0604020202020204" pitchFamily="34" charset="0"/>
+                <a:cs typeface="Arial" panose="020B0604020202020204" pitchFamily="34" charset="0"/>
+              </a:rPr>
+              <a:t>2</a:t>
+            </a:r>
+            <a:endParaRPr lang="en-US" sz="3200" dirty="0">
+              <a:solidFill>
+                <a:srgbClr val="ED1722"/>
+              </a:solidFill>
+              <a:latin typeface="Arial" panose="020B0604020202020204" pitchFamily="34" charset="0"/>
+              <a:cs typeface="Arial" panose="020B0604020202020204" pitchFamily="34" charset="0"/>
+            </a:endParaRPr>
+          </a:p>
+        </p:txBody>
+      </p:sp>
+      <p:sp>
+        <p:nvSpPr>
+          <p:cNvPr id="17" name="Rectangle 14"/>
+          <p:cNvSpPr/>
+          <p:nvPr/>
+        </p:nvSpPr>
+        <p:spPr>
+          <a:xfrm>
+            <a:off x="951677" y="2672041"/>
+            <a:ext cx="6410164" cy="461665"/>
+          </a:xfrm>
+          <a:prstGeom prst="rect">
+            <a:avLst/>
+          </a:prstGeom>
+        </p:spPr>
+        <p:txBody>
+          <a:bodyPr wrap="square">
+            <a:spAutoFit/>
+          </a:bodyPr>
+          <a:lstStyle/>
+          <a:p>
+            <a:r>
+              <a:rPr lang="en-US" sz="2400" dirty="0" err="1" smtClean="0">
+                <a:solidFill>
+                  <a:schemeClr val="accent4"/>
+                </a:solidFill>
+                <a:latin typeface="Arial" panose="020B0604020202020204" pitchFamily="34" charset="0"/>
+                <a:cs typeface="Arial" panose="020B0604020202020204" pitchFamily="34" charset="0"/>
+              </a:rPr>
+              <a:t>Os</a:t>
+            </a:r>
+            <a:r>
+              <a:rPr lang="en-US" sz="2400" dirty="0" smtClean="0">
+                <a:solidFill>
+                  <a:schemeClr val="accent4"/>
+                </a:solidFill>
+                <a:latin typeface="Arial" panose="020B0604020202020204" pitchFamily="34" charset="0"/>
+                <a:cs typeface="Arial" panose="020B0604020202020204" pitchFamily="34" charset="0"/>
+              </a:rPr>
+              <a:t> </a:t>
+            </a:r>
+            <a:r>
+              <a:rPr lang="en-US" sz="2400" dirty="0" err="1" smtClean="0">
+                <a:solidFill>
+                  <a:schemeClr val="accent4"/>
+                </a:solidFill>
+                <a:latin typeface="Arial" panose="020B0604020202020204" pitchFamily="34" charset="0"/>
+                <a:cs typeface="Arial" panose="020B0604020202020204" pitchFamily="34" charset="0"/>
+              </a:rPr>
+              <a:t>pedidos</a:t>
+            </a:r>
+            <a:r>
+              <a:rPr lang="en-US" sz="2400" dirty="0" smtClean="0">
+                <a:solidFill>
+                  <a:schemeClr val="accent4"/>
+                </a:solidFill>
+                <a:latin typeface="Arial" panose="020B0604020202020204" pitchFamily="34" charset="0"/>
+                <a:cs typeface="Arial" panose="020B0604020202020204" pitchFamily="34" charset="0"/>
+              </a:rPr>
+              <a:t> </a:t>
+            </a:r>
+            <a:r>
+              <a:rPr lang="en-US" sz="2400" dirty="0" err="1" smtClean="0">
+                <a:solidFill>
+                  <a:schemeClr val="accent4"/>
+                </a:solidFill>
+                <a:latin typeface="Arial" panose="020B0604020202020204" pitchFamily="34" charset="0"/>
+                <a:cs typeface="Arial" panose="020B0604020202020204" pitchFamily="34" charset="0"/>
+              </a:rPr>
+              <a:t>estão</a:t>
+            </a:r>
+            <a:r>
+              <a:rPr lang="en-US" sz="2400" dirty="0" smtClean="0">
+                <a:solidFill>
+                  <a:schemeClr val="accent4"/>
+                </a:solidFill>
+                <a:latin typeface="Arial" panose="020B0604020202020204" pitchFamily="34" charset="0"/>
+                <a:cs typeface="Arial" panose="020B0604020202020204" pitchFamily="34" charset="0"/>
+              </a:rPr>
+              <a:t> </a:t>
+            </a:r>
+            <a:r>
+              <a:rPr lang="en-US" sz="2400" dirty="0" err="1" smtClean="0">
+                <a:solidFill>
+                  <a:schemeClr val="accent4"/>
+                </a:solidFill>
+                <a:latin typeface="Arial" panose="020B0604020202020204" pitchFamily="34" charset="0"/>
+                <a:cs typeface="Arial" panose="020B0604020202020204" pitchFamily="34" charset="0"/>
+              </a:rPr>
+              <a:t>saudáveis</a:t>
+            </a:r>
+            <a:r>
+              <a:rPr lang="en-US" sz="2400" dirty="0" smtClean="0">
+                <a:solidFill>
+                  <a:schemeClr val="accent4"/>
+                </a:solidFill>
+                <a:latin typeface="Arial" panose="020B0604020202020204" pitchFamily="34" charset="0"/>
+                <a:cs typeface="Arial" panose="020B0604020202020204" pitchFamily="34" charset="0"/>
+              </a:rPr>
+              <a:t>? São </a:t>
+            </a:r>
+            <a:r>
+              <a:rPr lang="en-US" sz="2400" dirty="0" err="1" smtClean="0">
+                <a:solidFill>
+                  <a:schemeClr val="accent4"/>
+                </a:solidFill>
+                <a:latin typeface="Arial" panose="020B0604020202020204" pitchFamily="34" charset="0"/>
+                <a:cs typeface="Arial" panose="020B0604020202020204" pitchFamily="34" charset="0"/>
+              </a:rPr>
+              <a:t>lucrativos</a:t>
+            </a:r>
+            <a:r>
+              <a:rPr lang="en-US" sz="2400" dirty="0" smtClean="0">
+                <a:solidFill>
+                  <a:schemeClr val="accent4"/>
+                </a:solidFill>
+                <a:latin typeface="Arial" panose="020B0604020202020204" pitchFamily="34" charset="0"/>
+                <a:cs typeface="Arial" panose="020B0604020202020204" pitchFamily="34" charset="0"/>
+              </a:rPr>
+              <a:t>?</a:t>
+            </a:r>
+            <a:endParaRPr lang="en-US" dirty="0">
+              <a:solidFill>
+                <a:schemeClr val="accent4"/>
+              </a:solidFill>
+              <a:latin typeface="Arial" panose="020B0604020202020204" pitchFamily="34" charset="0"/>
+              <a:cs typeface="Arial" panose="020B0604020202020204" pitchFamily="34" charset="0"/>
+            </a:endParaRPr>
+          </a:p>
+        </p:txBody>
+      </p:sp>
+      <p:sp>
+        <p:nvSpPr>
+          <p:cNvPr id="18" name="Retângulo 17"/>
+          <p:cNvSpPr/>
+          <p:nvPr/>
+        </p:nvSpPr>
+        <p:spPr>
+          <a:xfrm>
+            <a:off x="7238664" y="2566057"/>
+            <a:ext cx="1185164" cy="707886"/>
+          </a:xfrm>
+          <a:prstGeom prst="rect">
+            <a:avLst/>
+          </a:prstGeom>
+          <a:noFill/>
+        </p:spPr>
+        <p:txBody>
+          <a:bodyPr wrap="square" lIns="91440" tIns="45720" rIns="91440" bIns="45720">
+            <a:spAutoFit/>
+          </a:bodyPr>
+          <a:lstStyle/>
+          <a:p>
+            <a:pPr algn="ctr"/>
+            <a:r>
+              <a:rPr lang="pt-BR" sz="4000" b="1" dirty="0" smtClean="0">
+                <a:ln w="12700">
+                  <a:solidFill>
+                    <a:schemeClr val="accent1"/>
+                  </a:solidFill>
+                  <a:prstDash val="solid"/>
+                </a:ln>
+                <a:pattFill prst="pct50">
+                  <a:fgClr>
+                    <a:schemeClr val="accent1"/>
+                  </a:fgClr>
+                  <a:bgClr>
+                    <a:schemeClr val="accent1">
+                      <a:lumMod val="20000"/>
+                      <a:lumOff val="80000"/>
+                    </a:schemeClr>
+                  </a:bgClr>
+                </a:pattFill>
+                <a:effectLst>
+                  <a:outerShdw dist="38100" dir="2640000" algn="bl" rotWithShape="0">
+                    <a:schemeClr val="accent1"/>
+                  </a:outerShdw>
+                </a:effectLst>
+              </a:rPr>
+              <a:t>SIM</a:t>
+            </a:r>
+          </a:p>
+        </p:txBody>
+      </p:sp>
+      <p:sp>
+        <p:nvSpPr>
+          <p:cNvPr id="19" name="Oval 7"/>
+          <p:cNvSpPr/>
+          <p:nvPr/>
+        </p:nvSpPr>
+        <p:spPr>
+          <a:xfrm>
+            <a:off x="188159" y="3474033"/>
+            <a:ext cx="674617" cy="682100"/>
+          </a:xfrm>
+          <a:prstGeom prst="ellipse">
+            <a:avLst/>
+          </a:prstGeom>
+          <a:solidFill>
+            <a:schemeClr val="bg1"/>
+          </a:solidFill>
+          <a:ln w="38100">
+            <a:solidFill>
+              <a:srgbClr val="F32223"/>
+            </a:solidFill>
+          </a:ln>
+        </p:spPr>
+        <p:style>
+          <a:lnRef idx="2">
+            <a:schemeClr val="accent1">
+              <a:shade val="50000"/>
+            </a:schemeClr>
+          </a:lnRef>
+          <a:fillRef idx="1">
+            <a:schemeClr val="accent1"/>
+          </a:fillRef>
+          <a:effectRef idx="0">
+            <a:schemeClr val="accent1"/>
+          </a:effectRef>
+          <a:fontRef idx="minor">
+            <a:schemeClr val="lt1"/>
+          </a:fontRef>
+        </p:style>
+        <p:txBody>
+          <a:bodyPr rtlCol="0" anchor="ctr"/>
+          <a:lstStyle/>
+          <a:p>
+            <a:pPr algn="ctr"/>
+            <a:r>
+              <a:rPr lang="en-US" sz="3200" dirty="0" smtClean="0">
+                <a:solidFill>
+                  <a:srgbClr val="ED1722"/>
+                </a:solidFill>
+                <a:latin typeface="Arial" panose="020B0604020202020204" pitchFamily="34" charset="0"/>
+                <a:cs typeface="Arial" panose="020B0604020202020204" pitchFamily="34" charset="0"/>
+              </a:rPr>
+              <a:t>3</a:t>
+            </a:r>
+            <a:endParaRPr lang="en-US" sz="3200" dirty="0">
+              <a:solidFill>
+                <a:srgbClr val="ED1722"/>
+              </a:solidFill>
+              <a:latin typeface="Arial" panose="020B0604020202020204" pitchFamily="34" charset="0"/>
+              <a:cs typeface="Arial" panose="020B0604020202020204" pitchFamily="34" charset="0"/>
+            </a:endParaRPr>
+          </a:p>
+        </p:txBody>
+      </p:sp>
+      <p:sp>
+        <p:nvSpPr>
+          <p:cNvPr id="20" name="Rectangle 14"/>
+          <p:cNvSpPr/>
+          <p:nvPr/>
+        </p:nvSpPr>
+        <p:spPr>
+          <a:xfrm>
+            <a:off x="945354" y="3613277"/>
+            <a:ext cx="6410164" cy="461665"/>
+          </a:xfrm>
+          <a:prstGeom prst="rect">
+            <a:avLst/>
+          </a:prstGeom>
+        </p:spPr>
+        <p:txBody>
+          <a:bodyPr wrap="square">
+            <a:spAutoFit/>
+          </a:bodyPr>
+          <a:lstStyle/>
+          <a:p>
+            <a:r>
+              <a:rPr lang="en-US" sz="2400" dirty="0" err="1" smtClean="0">
+                <a:solidFill>
+                  <a:schemeClr val="accent4"/>
+                </a:solidFill>
+                <a:latin typeface="Arial" panose="020B0604020202020204" pitchFamily="34" charset="0"/>
+                <a:cs typeface="Arial" panose="020B0604020202020204" pitchFamily="34" charset="0"/>
+              </a:rPr>
+              <a:t>Perdemos</a:t>
+            </a:r>
+            <a:r>
+              <a:rPr lang="en-US" sz="2400" dirty="0" smtClean="0">
+                <a:solidFill>
+                  <a:schemeClr val="accent4"/>
+                </a:solidFill>
+                <a:latin typeface="Arial" panose="020B0604020202020204" pitchFamily="34" charset="0"/>
+                <a:cs typeface="Arial" panose="020B0604020202020204" pitchFamily="34" charset="0"/>
+              </a:rPr>
+              <a:t> </a:t>
+            </a:r>
+            <a:r>
+              <a:rPr lang="en-US" sz="2400" dirty="0" err="1" smtClean="0">
+                <a:solidFill>
+                  <a:schemeClr val="accent4"/>
+                </a:solidFill>
+                <a:latin typeface="Arial" panose="020B0604020202020204" pitchFamily="34" charset="0"/>
+                <a:cs typeface="Arial" panose="020B0604020202020204" pitchFamily="34" charset="0"/>
+              </a:rPr>
+              <a:t>clientes</a:t>
+            </a:r>
+            <a:r>
+              <a:rPr lang="en-US" sz="2400" dirty="0" smtClean="0">
+                <a:solidFill>
+                  <a:schemeClr val="accent4"/>
+                </a:solidFill>
+                <a:latin typeface="Arial" panose="020B0604020202020204" pitchFamily="34" charset="0"/>
+                <a:cs typeface="Arial" panose="020B0604020202020204" pitchFamily="34" charset="0"/>
+              </a:rPr>
+              <a:t> com </a:t>
+            </a:r>
+            <a:r>
+              <a:rPr lang="en-US" sz="2400" dirty="0" err="1" smtClean="0">
+                <a:solidFill>
+                  <a:schemeClr val="accent4"/>
+                </a:solidFill>
+                <a:latin typeface="Arial" panose="020B0604020202020204" pitchFamily="34" charset="0"/>
+                <a:cs typeface="Arial" panose="020B0604020202020204" pitchFamily="34" charset="0"/>
+              </a:rPr>
+              <a:t>os</a:t>
+            </a:r>
+            <a:r>
+              <a:rPr lang="en-US" sz="2400" dirty="0" smtClean="0">
+                <a:solidFill>
+                  <a:schemeClr val="accent4"/>
+                </a:solidFill>
+                <a:latin typeface="Arial" panose="020B0604020202020204" pitchFamily="34" charset="0"/>
+                <a:cs typeface="Arial" panose="020B0604020202020204" pitchFamily="34" charset="0"/>
+              </a:rPr>
+              <a:t> </a:t>
+            </a:r>
+            <a:r>
+              <a:rPr lang="en-US" sz="2400" dirty="0" err="1" smtClean="0">
+                <a:solidFill>
+                  <a:schemeClr val="accent4"/>
+                </a:solidFill>
+                <a:latin typeface="Arial" panose="020B0604020202020204" pitchFamily="34" charset="0"/>
+                <a:cs typeface="Arial" panose="020B0604020202020204" pitchFamily="34" charset="0"/>
+              </a:rPr>
+              <a:t>Pushs</a:t>
+            </a:r>
+            <a:r>
+              <a:rPr lang="en-US" sz="2400" dirty="0" smtClean="0">
+                <a:solidFill>
+                  <a:schemeClr val="accent4"/>
+                </a:solidFill>
+                <a:latin typeface="Arial" panose="020B0604020202020204" pitchFamily="34" charset="0"/>
+                <a:cs typeface="Arial" panose="020B0604020202020204" pitchFamily="34" charset="0"/>
+              </a:rPr>
+              <a:t>?</a:t>
+            </a:r>
+            <a:endParaRPr lang="en-US" dirty="0">
+              <a:solidFill>
+                <a:schemeClr val="accent4"/>
+              </a:solidFill>
+              <a:latin typeface="Arial" panose="020B0604020202020204" pitchFamily="34" charset="0"/>
+              <a:cs typeface="Arial" panose="020B0604020202020204" pitchFamily="34" charset="0"/>
+            </a:endParaRPr>
+          </a:p>
+        </p:txBody>
+      </p:sp>
+      <p:sp>
+        <p:nvSpPr>
+          <p:cNvPr id="21" name="Retângulo 20"/>
+          <p:cNvSpPr/>
+          <p:nvPr/>
+        </p:nvSpPr>
+        <p:spPr>
+          <a:xfrm>
+            <a:off x="945354" y="3999986"/>
+            <a:ext cx="8791990" cy="954107"/>
+          </a:xfrm>
+          <a:prstGeom prst="rect">
+            <a:avLst/>
+          </a:prstGeom>
+          <a:noFill/>
+        </p:spPr>
+        <p:txBody>
+          <a:bodyPr wrap="square" lIns="91440" tIns="45720" rIns="91440" bIns="45720">
+            <a:spAutoFit/>
+          </a:bodyPr>
+          <a:lstStyle/>
+          <a:p>
+            <a:r>
+              <a:rPr lang="pt-BR" sz="2800" b="1" cap="none" spc="0" dirty="0" smtClean="0">
+                <a:ln w="12700">
+                  <a:solidFill>
+                    <a:schemeClr val="accent1"/>
+                  </a:solidFill>
+                  <a:prstDash val="solid"/>
+                </a:ln>
+                <a:pattFill prst="pct50">
+                  <a:fgClr>
+                    <a:schemeClr val="accent1"/>
+                  </a:fgClr>
+                  <a:bgClr>
+                    <a:schemeClr val="accent1">
+                      <a:lumMod val="20000"/>
+                      <a:lumOff val="80000"/>
+                    </a:schemeClr>
+                  </a:bgClr>
+                </a:pattFill>
+                <a:effectLst>
+                  <a:outerShdw dist="38100" dir="2640000" algn="bl" rotWithShape="0">
+                    <a:schemeClr val="accent1"/>
+                  </a:outerShdw>
+                </a:effectLst>
+              </a:rPr>
+              <a:t>Perdemos clientes sim</a:t>
+            </a:r>
+            <a:r>
+              <a:rPr lang="pt-BR" sz="2800" b="1" dirty="0" smtClean="0">
+                <a:ln w="12700">
+                  <a:solidFill>
+                    <a:schemeClr val="accent1"/>
+                  </a:solidFill>
+                  <a:prstDash val="solid"/>
+                </a:ln>
+                <a:pattFill prst="pct50">
+                  <a:fgClr>
+                    <a:schemeClr val="accent1"/>
+                  </a:fgClr>
+                  <a:bgClr>
+                    <a:schemeClr val="accent1">
+                      <a:lumMod val="20000"/>
+                      <a:lumOff val="80000"/>
+                    </a:schemeClr>
+                  </a:bgClr>
+                </a:pattFill>
+                <a:effectLst>
+                  <a:outerShdw dist="38100" dir="2640000" algn="bl" rotWithShape="0">
+                    <a:schemeClr val="accent1"/>
+                  </a:outerShdw>
+                </a:effectLst>
+              </a:rPr>
+              <a:t>,</a:t>
+            </a:r>
+            <a:r>
+              <a:rPr lang="pt-BR" sz="2800" b="1" dirty="0">
+                <a:ln w="12700">
+                  <a:solidFill>
+                    <a:schemeClr val="accent1"/>
+                  </a:solidFill>
+                  <a:prstDash val="solid"/>
+                </a:ln>
+                <a:pattFill prst="pct50">
+                  <a:fgClr>
+                    <a:schemeClr val="accent1"/>
+                  </a:fgClr>
+                  <a:bgClr>
+                    <a:schemeClr val="accent1">
+                      <a:lumMod val="20000"/>
+                      <a:lumOff val="80000"/>
+                    </a:schemeClr>
+                  </a:bgClr>
+                </a:pattFill>
+                <a:effectLst>
+                  <a:outerShdw dist="38100" dir="2640000" algn="bl" rotWithShape="0">
+                    <a:schemeClr val="accent1"/>
+                  </a:outerShdw>
+                </a:effectLst>
+              </a:rPr>
+              <a:t> </a:t>
+            </a:r>
+            <a:r>
+              <a:rPr lang="pt-BR" sz="2800" b="1" dirty="0" smtClean="0">
+                <a:ln w="12700">
+                  <a:solidFill>
+                    <a:schemeClr val="accent1"/>
+                  </a:solidFill>
+                  <a:prstDash val="solid"/>
+                </a:ln>
+                <a:pattFill prst="pct50">
+                  <a:fgClr>
+                    <a:schemeClr val="accent1"/>
+                  </a:fgClr>
+                  <a:bgClr>
+                    <a:schemeClr val="accent1">
+                      <a:lumMod val="20000"/>
+                      <a:lumOff val="80000"/>
+                    </a:schemeClr>
+                  </a:bgClr>
+                </a:pattFill>
+                <a:effectLst>
+                  <a:outerShdw dist="38100" dir="2640000" algn="bl" rotWithShape="0">
+                    <a:schemeClr val="accent1"/>
+                  </a:outerShdw>
+                </a:effectLst>
+              </a:rPr>
+              <a:t>mas não podemos afirmar que os </a:t>
+            </a:r>
+            <a:r>
+              <a:rPr lang="pt-BR" sz="2800" b="1" dirty="0" err="1" smtClean="0">
+                <a:ln w="12700">
+                  <a:solidFill>
+                    <a:schemeClr val="accent1"/>
+                  </a:solidFill>
+                  <a:prstDash val="solid"/>
+                </a:ln>
+                <a:pattFill prst="pct50">
+                  <a:fgClr>
+                    <a:schemeClr val="accent1"/>
+                  </a:fgClr>
+                  <a:bgClr>
+                    <a:schemeClr val="accent1">
+                      <a:lumMod val="20000"/>
+                      <a:lumOff val="80000"/>
+                    </a:schemeClr>
+                  </a:bgClr>
+                </a:pattFill>
+                <a:effectLst>
+                  <a:outerShdw dist="38100" dir="2640000" algn="bl" rotWithShape="0">
+                    <a:schemeClr val="accent1"/>
+                  </a:outerShdw>
+                </a:effectLst>
+              </a:rPr>
+              <a:t>Pushs</a:t>
+            </a:r>
+            <a:r>
+              <a:rPr lang="pt-BR" sz="2800" b="1" dirty="0" smtClean="0">
+                <a:ln w="12700">
+                  <a:solidFill>
+                    <a:schemeClr val="accent1"/>
+                  </a:solidFill>
+                  <a:prstDash val="solid"/>
+                </a:ln>
+                <a:pattFill prst="pct50">
+                  <a:fgClr>
+                    <a:schemeClr val="accent1"/>
+                  </a:fgClr>
+                  <a:bgClr>
+                    <a:schemeClr val="accent1">
+                      <a:lumMod val="20000"/>
+                      <a:lumOff val="80000"/>
+                    </a:schemeClr>
+                  </a:bgClr>
+                </a:pattFill>
+                <a:effectLst>
+                  <a:outerShdw dist="38100" dir="2640000" algn="bl" rotWithShape="0">
+                    <a:schemeClr val="accent1"/>
+                  </a:outerShdw>
+                </a:effectLst>
+              </a:rPr>
+              <a:t> são responsáveis</a:t>
+            </a:r>
           </a:p>
         </p:txBody>
       </p:sp>
@@ -19598,6 +20736,237 @@
                 <a:cs typeface="Arial" panose="020B0604020202020204" pitchFamily="34" charset="0"/>
               </a:rPr>
               <a:t>Cupom</a:t>
+            </a:r>
+            <a:endParaRPr lang="en-US" sz="1400" dirty="0">
+              <a:solidFill>
+                <a:schemeClr val="accent4"/>
+              </a:solidFill>
+              <a:latin typeface="Arial" panose="020B0604020202020204" pitchFamily="34" charset="0"/>
+              <a:cs typeface="Arial" panose="020B0604020202020204" pitchFamily="34" charset="0"/>
+            </a:endParaRPr>
+          </a:p>
+        </p:txBody>
+      </p:sp>
+      <p:sp>
+        <p:nvSpPr>
+          <p:cNvPr id="46" name="Rectangle 14"/>
+          <p:cNvSpPr/>
+          <p:nvPr/>
+        </p:nvSpPr>
+        <p:spPr>
+          <a:xfrm>
+            <a:off x="773469" y="6285394"/>
+            <a:ext cx="10074262" cy="369332"/>
+          </a:xfrm>
+          <a:prstGeom prst="rect">
+            <a:avLst/>
+          </a:prstGeom>
+        </p:spPr>
+        <p:txBody>
+          <a:bodyPr wrap="square">
+            <a:spAutoFit/>
+          </a:bodyPr>
+          <a:lstStyle/>
+          <a:p>
+            <a:r>
+              <a:rPr lang="en-US" dirty="0" smtClean="0">
+                <a:solidFill>
+                  <a:schemeClr val="accent4"/>
+                </a:solidFill>
+                <a:latin typeface="Arial" panose="020B0604020202020204" pitchFamily="34" charset="0"/>
+                <a:cs typeface="Arial" panose="020B0604020202020204" pitchFamily="34" charset="0"/>
+              </a:rPr>
+              <a:t>NPS: </a:t>
+            </a:r>
+            <a:r>
+              <a:rPr lang="en-US" dirty="0" err="1" smtClean="0">
+                <a:solidFill>
+                  <a:schemeClr val="accent4"/>
+                </a:solidFill>
+                <a:latin typeface="Arial" panose="020B0604020202020204" pitchFamily="34" charset="0"/>
+                <a:cs typeface="Arial" panose="020B0604020202020204" pitchFamily="34" charset="0"/>
+              </a:rPr>
+              <a:t>Os</a:t>
+            </a:r>
+            <a:r>
+              <a:rPr lang="en-US" dirty="0" smtClean="0">
+                <a:solidFill>
+                  <a:schemeClr val="accent4"/>
+                </a:solidFill>
+                <a:latin typeface="Arial" panose="020B0604020202020204" pitchFamily="34" charset="0"/>
+                <a:cs typeface="Arial" panose="020B0604020202020204" pitchFamily="34" charset="0"/>
+              </a:rPr>
+              <a:t> </a:t>
+            </a:r>
+            <a:r>
+              <a:rPr lang="en-US" dirty="0" err="1" smtClean="0">
+                <a:solidFill>
+                  <a:schemeClr val="accent4"/>
+                </a:solidFill>
+                <a:latin typeface="Arial" panose="020B0604020202020204" pitchFamily="34" charset="0"/>
+                <a:cs typeface="Arial" panose="020B0604020202020204" pitchFamily="34" charset="0"/>
+              </a:rPr>
+              <a:t>clientes</a:t>
+            </a:r>
+            <a:r>
+              <a:rPr lang="en-US" dirty="0">
+                <a:solidFill>
+                  <a:schemeClr val="accent4"/>
+                </a:solidFill>
+                <a:latin typeface="Arial" panose="020B0604020202020204" pitchFamily="34" charset="0"/>
+                <a:cs typeface="Arial" panose="020B0604020202020204" pitchFamily="34" charset="0"/>
+              </a:rPr>
+              <a:t> </a:t>
+            </a:r>
+            <a:r>
+              <a:rPr lang="en-US" dirty="0" smtClean="0">
+                <a:solidFill>
+                  <a:schemeClr val="accent4"/>
+                </a:solidFill>
+                <a:latin typeface="Arial" panose="020B0604020202020204" pitchFamily="34" charset="0"/>
+                <a:cs typeface="Arial" panose="020B0604020202020204" pitchFamily="34" charset="0"/>
+              </a:rPr>
+              <a:t>tem </a:t>
+            </a:r>
+            <a:r>
+              <a:rPr lang="en-US" dirty="0" err="1" smtClean="0">
+                <a:solidFill>
+                  <a:schemeClr val="accent4"/>
+                </a:solidFill>
+                <a:latin typeface="Arial" panose="020B0604020202020204" pitchFamily="34" charset="0"/>
+                <a:cs typeface="Arial" panose="020B0604020202020204" pitchFamily="34" charset="0"/>
+              </a:rPr>
+              <a:t>dificuldade</a:t>
+            </a:r>
+            <a:r>
+              <a:rPr lang="en-US" dirty="0" smtClean="0">
+                <a:solidFill>
+                  <a:schemeClr val="accent4"/>
+                </a:solidFill>
+                <a:latin typeface="Arial" panose="020B0604020202020204" pitchFamily="34" charset="0"/>
+                <a:cs typeface="Arial" panose="020B0604020202020204" pitchFamily="34" charset="0"/>
+              </a:rPr>
+              <a:t> </a:t>
+            </a:r>
+            <a:r>
+              <a:rPr lang="en-US" dirty="0" err="1" smtClean="0">
+                <a:solidFill>
+                  <a:schemeClr val="accent4"/>
+                </a:solidFill>
+                <a:latin typeface="Arial" panose="020B0604020202020204" pitchFamily="34" charset="0"/>
+                <a:cs typeface="Arial" panose="020B0604020202020204" pitchFamily="34" charset="0"/>
+              </a:rPr>
+              <a:t>em</a:t>
+            </a:r>
+            <a:r>
+              <a:rPr lang="en-US" dirty="0" smtClean="0">
+                <a:solidFill>
+                  <a:schemeClr val="accent4"/>
+                </a:solidFill>
+                <a:latin typeface="Arial" panose="020B0604020202020204" pitchFamily="34" charset="0"/>
+                <a:cs typeface="Arial" panose="020B0604020202020204" pitchFamily="34" charset="0"/>
+              </a:rPr>
+              <a:t> </a:t>
+            </a:r>
+            <a:r>
+              <a:rPr lang="en-US" dirty="0" err="1" smtClean="0">
+                <a:solidFill>
+                  <a:schemeClr val="accent4"/>
+                </a:solidFill>
+                <a:latin typeface="Arial" panose="020B0604020202020204" pitchFamily="34" charset="0"/>
+                <a:cs typeface="Arial" panose="020B0604020202020204" pitchFamily="34" charset="0"/>
+              </a:rPr>
+              <a:t>separar</a:t>
+            </a:r>
+            <a:r>
+              <a:rPr lang="en-US" dirty="0" smtClean="0">
+                <a:solidFill>
+                  <a:schemeClr val="accent4"/>
+                </a:solidFill>
+                <a:latin typeface="Arial" panose="020B0604020202020204" pitchFamily="34" charset="0"/>
+                <a:cs typeface="Arial" panose="020B0604020202020204" pitchFamily="34" charset="0"/>
+              </a:rPr>
+              <a:t> o </a:t>
+            </a:r>
+            <a:r>
+              <a:rPr lang="en-US" dirty="0" err="1" smtClean="0">
+                <a:solidFill>
+                  <a:schemeClr val="accent4"/>
+                </a:solidFill>
+                <a:latin typeface="Arial" panose="020B0604020202020204" pitchFamily="34" charset="0"/>
+                <a:cs typeface="Arial" panose="020B0604020202020204" pitchFamily="34" charset="0"/>
+              </a:rPr>
+              <a:t>iFood</a:t>
+            </a:r>
+            <a:r>
+              <a:rPr lang="en-US" dirty="0" smtClean="0">
+                <a:solidFill>
+                  <a:schemeClr val="accent4"/>
+                </a:solidFill>
+                <a:latin typeface="Arial" panose="020B0604020202020204" pitchFamily="34" charset="0"/>
+                <a:cs typeface="Arial" panose="020B0604020202020204" pitchFamily="34" charset="0"/>
+              </a:rPr>
+              <a:t> do </a:t>
+            </a:r>
+            <a:r>
+              <a:rPr lang="en-US" dirty="0" err="1" smtClean="0">
+                <a:solidFill>
+                  <a:schemeClr val="accent4"/>
+                </a:solidFill>
+                <a:latin typeface="Arial" panose="020B0604020202020204" pitchFamily="34" charset="0"/>
+                <a:cs typeface="Arial" panose="020B0604020202020204" pitchFamily="34" charset="0"/>
+              </a:rPr>
+              <a:t>restaurante</a:t>
+            </a:r>
+            <a:r>
+              <a:rPr lang="en-US" dirty="0" smtClean="0">
+                <a:solidFill>
+                  <a:schemeClr val="accent4"/>
+                </a:solidFill>
+                <a:latin typeface="Arial" panose="020B0604020202020204" pitchFamily="34" charset="0"/>
+                <a:cs typeface="Arial" panose="020B0604020202020204" pitchFamily="34" charset="0"/>
+              </a:rPr>
+              <a:t> no </a:t>
+            </a:r>
+            <a:r>
+              <a:rPr lang="en-US" dirty="0" err="1" smtClean="0">
+                <a:solidFill>
+                  <a:schemeClr val="accent4"/>
+                </a:solidFill>
+                <a:latin typeface="Arial" panose="020B0604020202020204" pitchFamily="34" charset="0"/>
+                <a:cs typeface="Arial" panose="020B0604020202020204" pitchFamily="34" charset="0"/>
+              </a:rPr>
+              <a:t>momento</a:t>
+            </a:r>
+            <a:r>
+              <a:rPr lang="en-US" dirty="0" smtClean="0">
+                <a:solidFill>
+                  <a:schemeClr val="accent4"/>
+                </a:solidFill>
+                <a:latin typeface="Arial" panose="020B0604020202020204" pitchFamily="34" charset="0"/>
+                <a:cs typeface="Arial" panose="020B0604020202020204" pitchFamily="34" charset="0"/>
+              </a:rPr>
+              <a:t> da </a:t>
+            </a:r>
+            <a:r>
+              <a:rPr lang="en-US" dirty="0" err="1" smtClean="0">
+                <a:solidFill>
+                  <a:schemeClr val="accent4"/>
+                </a:solidFill>
+                <a:latin typeface="Arial" panose="020B0604020202020204" pitchFamily="34" charset="0"/>
+                <a:cs typeface="Arial" panose="020B0604020202020204" pitchFamily="34" charset="0"/>
+              </a:rPr>
+              <a:t>avaliação</a:t>
+            </a:r>
+            <a:r>
+              <a:rPr lang="en-US" dirty="0" smtClean="0">
+                <a:solidFill>
+                  <a:schemeClr val="accent4"/>
+                </a:solidFill>
+                <a:latin typeface="Arial" panose="020B0604020202020204" pitchFamily="34" charset="0"/>
+                <a:cs typeface="Arial" panose="020B0604020202020204" pitchFamily="34" charset="0"/>
+              </a:rPr>
+              <a:t> </a:t>
             </a:r>
             <a:endParaRPr lang="en-US" sz="1400" dirty="0">
               <a:solidFill>
